--- a/JavaScript Task Runners for the ASP.NET Developer.pptx
+++ b/JavaScript Task Runners for the ASP.NET Developer.pptx
@@ -5,36 +5,37 @@
     <p:sldMasterId id="2147483718" r:id="rId1"/>
   </p:sldMasterIdLst>
   <p:notesMasterIdLst>
-    <p:notesMasterId r:id="rId29"/>
+    <p:notesMasterId r:id="rId30"/>
   </p:notesMasterIdLst>
   <p:sldIdLst>
     <p:sldId id="256" r:id="rId2"/>
     <p:sldId id="258" r:id="rId3"/>
     <p:sldId id="259" r:id="rId4"/>
     <p:sldId id="281" r:id="rId5"/>
-    <p:sldId id="269" r:id="rId6"/>
-    <p:sldId id="270" r:id="rId7"/>
-    <p:sldId id="271" r:id="rId8"/>
-    <p:sldId id="280" r:id="rId9"/>
-    <p:sldId id="257" r:id="rId10"/>
-    <p:sldId id="268" r:id="rId11"/>
-    <p:sldId id="273" r:id="rId12"/>
-    <p:sldId id="278" r:id="rId13"/>
-    <p:sldId id="277" r:id="rId14"/>
-    <p:sldId id="267" r:id="rId15"/>
-    <p:sldId id="285" r:id="rId16"/>
-    <p:sldId id="284" r:id="rId17"/>
-    <p:sldId id="286" r:id="rId18"/>
-    <p:sldId id="263" r:id="rId19"/>
-    <p:sldId id="261" r:id="rId20"/>
-    <p:sldId id="262" r:id="rId21"/>
-    <p:sldId id="264" r:id="rId22"/>
-    <p:sldId id="266" r:id="rId23"/>
-    <p:sldId id="283" r:id="rId24"/>
-    <p:sldId id="265" r:id="rId25"/>
-    <p:sldId id="282" r:id="rId26"/>
-    <p:sldId id="279" r:id="rId27"/>
-    <p:sldId id="275" r:id="rId28"/>
+    <p:sldId id="287" r:id="rId6"/>
+    <p:sldId id="269" r:id="rId7"/>
+    <p:sldId id="270" r:id="rId8"/>
+    <p:sldId id="271" r:id="rId9"/>
+    <p:sldId id="280" r:id="rId10"/>
+    <p:sldId id="257" r:id="rId11"/>
+    <p:sldId id="268" r:id="rId12"/>
+    <p:sldId id="273" r:id="rId13"/>
+    <p:sldId id="278" r:id="rId14"/>
+    <p:sldId id="277" r:id="rId15"/>
+    <p:sldId id="267" r:id="rId16"/>
+    <p:sldId id="285" r:id="rId17"/>
+    <p:sldId id="284" r:id="rId18"/>
+    <p:sldId id="286" r:id="rId19"/>
+    <p:sldId id="263" r:id="rId20"/>
+    <p:sldId id="261" r:id="rId21"/>
+    <p:sldId id="262" r:id="rId22"/>
+    <p:sldId id="264" r:id="rId23"/>
+    <p:sldId id="266" r:id="rId24"/>
+    <p:sldId id="283" r:id="rId25"/>
+    <p:sldId id="265" r:id="rId26"/>
+    <p:sldId id="282" r:id="rId27"/>
+    <p:sldId id="279" r:id="rId28"/>
+    <p:sldId id="275" r:id="rId29"/>
   </p:sldIdLst>
   <p:sldSz cx="12192000" cy="6858000"/>
   <p:notesSz cx="6858000" cy="9144000"/>
@@ -223,7 +224,7 @@
           <a:p>
             <a:fld id="{669E24BE-8A14-406C-93AE-FEDF4702362B}" type="datetimeFigureOut">
               <a:rPr lang="en-US" smtClean="0"/>
-              <a:t>8/15/2015</a:t>
+              <a:t>9/2/2015</a:t>
             </a:fld>
             <a:endParaRPr lang="en-US" dirty="0"/>
           </a:p>
@@ -640,7 +641,7 @@
           <a:p>
             <a:fld id="{5082FDA5-6DC3-4FE0-BF42-6D07B5EE42A9}" type="slidenum">
               <a:rPr lang="en-US" smtClean="0"/>
-              <a:t>12</a:t>
+              <a:t>13</a:t>
             </a:fld>
             <a:endParaRPr lang="en-US" dirty="0"/>
           </a:p>
@@ -1381,7 +1382,7 @@
           <a:p>
             <a:fld id="{8008D7A7-D1E9-49FE-B288-75D755D02F1B}" type="datetime1">
               <a:rPr lang="en-US" smtClean="0"/>
-              <a:t>8/15/2015</a:t>
+              <a:t>9/2/2015</a:t>
             </a:fld>
             <a:endParaRPr lang="en-US" dirty="0"/>
           </a:p>
@@ -1644,7 +1645,7 @@
           <a:p>
             <a:fld id="{565130A9-CCEE-4E49-AF50-9A9178C093F5}" type="datetime1">
               <a:rPr lang="en-US" smtClean="0"/>
-              <a:t>8/15/2015</a:t>
+              <a:t>9/2/2015</a:t>
             </a:fld>
             <a:endParaRPr lang="en-US" dirty="0"/>
           </a:p>
@@ -1970,7 +1971,7 @@
           <a:p>
             <a:fld id="{5FFEE7F5-B2E5-489A-976D-734D7F853DE3}" type="datetime1">
               <a:rPr lang="en-US" smtClean="0"/>
-              <a:t>8/15/2015</a:t>
+              <a:t>9/2/2015</a:t>
             </a:fld>
             <a:endParaRPr lang="en-US" dirty="0"/>
           </a:p>
@@ -2323,7 +2324,7 @@
           <a:p>
             <a:fld id="{1DDC5727-5F18-4B62-81B5-C092F8CCA971}" type="datetime1">
               <a:rPr lang="en-US" smtClean="0"/>
-              <a:t>8/15/2015</a:t>
+              <a:t>9/2/2015</a:t>
             </a:fld>
             <a:endParaRPr lang="en-US" dirty="0"/>
           </a:p>
@@ -2649,7 +2650,7 @@
           <a:p>
             <a:fld id="{DD7596D5-BBCA-4EE5-AC34-2F838BA68892}" type="datetime1">
               <a:rPr lang="en-US" smtClean="0"/>
-              <a:t>8/15/2015</a:t>
+              <a:t>9/2/2015</a:t>
             </a:fld>
             <a:endParaRPr lang="en-US" dirty="0"/>
           </a:p>
@@ -3054,7 +3055,7 @@
           <a:p>
             <a:fld id="{C87E594A-105F-4330-BE78-40BFD5E05FF3}" type="datetime1">
               <a:rPr lang="en-US" smtClean="0"/>
-              <a:t>8/15/2015</a:t>
+              <a:t>9/2/2015</a:t>
             </a:fld>
             <a:endParaRPr lang="en-US" dirty="0"/>
           </a:p>
@@ -3236,7 +3237,7 @@
           <a:p>
             <a:fld id="{50DAB467-0635-440B-9BC4-DA322DD73B70}" type="datetime1">
               <a:rPr lang="en-US" smtClean="0"/>
-              <a:t>8/15/2015</a:t>
+              <a:t>9/2/2015</a:t>
             </a:fld>
             <a:endParaRPr lang="en-US" dirty="0"/>
           </a:p>
@@ -3428,7 +3429,7 @@
           <a:p>
             <a:fld id="{5E48D92D-E3A5-4B10-B1FC-D041F161170C}" type="datetime1">
               <a:rPr lang="en-US" smtClean="0"/>
-              <a:t>8/15/2015</a:t>
+              <a:t>9/2/2015</a:t>
             </a:fld>
             <a:endParaRPr lang="en-US" dirty="0"/>
           </a:p>
@@ -3616,7 +3617,7 @@
           <a:p>
             <a:fld id="{834C18EA-D952-4AE1-A6E7-E6731635F9D2}" type="datetime1">
               <a:rPr lang="en-US" smtClean="0"/>
-              <a:t>8/15/2015</a:t>
+              <a:t>9/2/2015</a:t>
             </a:fld>
             <a:endParaRPr lang="en-US" dirty="0"/>
           </a:p>
@@ -3875,7 +3876,7 @@
           <a:p>
             <a:fld id="{13032A52-9E14-487A-A3FB-E00D36231CE7}" type="datetime1">
               <a:rPr lang="en-US" smtClean="0"/>
-              <a:t>8/15/2015</a:t>
+              <a:t>9/2/2015</a:t>
             </a:fld>
             <a:endParaRPr lang="en-US" dirty="0"/>
           </a:p>
@@ -4119,7 +4120,7 @@
           <a:p>
             <a:fld id="{8C5CA72F-91C6-447B-8CFD-10CC50FBFEAC}" type="datetime1">
               <a:rPr lang="en-US" smtClean="0"/>
-              <a:t>8/15/2015</a:t>
+              <a:t>9/2/2015</a:t>
             </a:fld>
             <a:endParaRPr lang="en-US" dirty="0"/>
           </a:p>
@@ -4505,7 +4506,7 @@
           <a:p>
             <a:fld id="{2CCBA931-94B6-4C88-A7AC-0B43FAFFEEC1}" type="datetime1">
               <a:rPr lang="en-US" smtClean="0"/>
-              <a:t>8/15/2015</a:t>
+              <a:t>9/2/2015</a:t>
             </a:fld>
             <a:endParaRPr lang="en-US" dirty="0"/>
           </a:p>
@@ -4640,7 +4641,7 @@
           <a:p>
             <a:fld id="{A17CC6B2-4719-4EFD-BB2D-A2C62F0625B7}" type="datetime1">
               <a:rPr lang="en-US" smtClean="0"/>
-              <a:t>8/15/2015</a:t>
+              <a:t>9/2/2015</a:t>
             </a:fld>
             <a:endParaRPr lang="en-US" dirty="0"/>
           </a:p>
@@ -4747,7 +4748,7 @@
           <a:p>
             <a:fld id="{9AC4E54B-2176-4BC1-BC54-F80551EDB034}" type="datetime1">
               <a:rPr lang="en-US" smtClean="0"/>
-              <a:t>8/15/2015</a:t>
+              <a:t>9/2/2015</a:t>
             </a:fld>
             <a:endParaRPr lang="en-US" dirty="0"/>
           </a:p>
@@ -5014,7 +5015,7 @@
           <a:p>
             <a:fld id="{F73BBE7C-717C-4AB2-A881-24835FA94B24}" type="datetime1">
               <a:rPr lang="en-US" smtClean="0"/>
-              <a:t>8/15/2015</a:t>
+              <a:t>9/2/2015</a:t>
             </a:fld>
             <a:endParaRPr lang="en-US" dirty="0"/>
           </a:p>
@@ -5289,7 +5290,7 @@
           <a:p>
             <a:fld id="{BD6C4C3D-17A3-49F5-8381-0500C8735BF2}" type="datetime1">
               <a:rPr lang="en-US" smtClean="0"/>
-              <a:t>8/15/2015</a:t>
+              <a:t>9/2/2015</a:t>
             </a:fld>
             <a:endParaRPr lang="en-US" dirty="0"/>
           </a:p>
@@ -6044,7 +6045,7 @@
           <a:p>
             <a:fld id="{1D480221-EA8F-4F92-87B7-59E96BBC3974}" type="datetime1">
               <a:rPr lang="en-US" smtClean="0"/>
-              <a:t>8/15/2015</a:t>
+              <a:t>9/2/2015</a:t>
             </a:fld>
             <a:endParaRPr lang="en-US" dirty="0"/>
           </a:p>
@@ -6685,6 +6686,153 @@
           <a:chExt cx="0" cy="0"/>
         </a:xfrm>
       </p:grpSpPr>
+      <p:sp>
+        <p:nvSpPr>
+          <p:cNvPr id="2" name="Title 1"/>
+          <p:cNvSpPr>
+            <a:spLocks noGrp="1"/>
+          </p:cNvSpPr>
+          <p:nvPr>
+            <p:ph type="title"/>
+          </p:nvPr>
+        </p:nvSpPr>
+        <p:spPr/>
+        <p:txBody>
+          <a:bodyPr/>
+          <a:lstStyle/>
+          <a:p>
+            <a:r>
+              <a:rPr lang="en-US" dirty="0" smtClean="0"/>
+              <a:t>Which task runner should I use?</a:t>
+            </a:r>
+            <a:endParaRPr lang="en-US" dirty="0"/>
+          </a:p>
+        </p:txBody>
+      </p:sp>
+      <p:sp>
+        <p:nvSpPr>
+          <p:cNvPr id="3" name="Text Placeholder 2"/>
+          <p:cNvSpPr>
+            <a:spLocks noGrp="1"/>
+          </p:cNvSpPr>
+          <p:nvPr>
+            <p:ph type="body" idx="1"/>
+          </p:nvPr>
+        </p:nvSpPr>
+        <p:spPr/>
+        <p:txBody>
+          <a:bodyPr/>
+          <a:lstStyle/>
+          <a:p>
+            <a:r>
+              <a:rPr lang="en-US" dirty="0" smtClean="0"/>
+              <a:t>A task runner showdown</a:t>
+            </a:r>
+            <a:endParaRPr lang="en-US" dirty="0"/>
+          </a:p>
+        </p:txBody>
+      </p:sp>
+      <p:sp>
+        <p:nvSpPr>
+          <p:cNvPr id="8" name="Slide Number Placeholder 7"/>
+          <p:cNvSpPr>
+            <a:spLocks noGrp="1"/>
+          </p:cNvSpPr>
+          <p:nvPr>
+            <p:ph type="sldNum" sz="quarter" idx="12"/>
+          </p:nvPr>
+        </p:nvSpPr>
+        <p:spPr/>
+        <p:txBody>
+          <a:bodyPr/>
+          <a:lstStyle/>
+          <a:p>
+            <a:fld id="{CA6404EB-EC22-4A9F-B979-51DB938C35B6}" type="slidenum">
+              <a:rPr lang="en-US" smtClean="0"/>
+              <a:t>10</a:t>
+            </a:fld>
+            <a:endParaRPr lang="en-US" dirty="0"/>
+          </a:p>
+        </p:txBody>
+      </p:sp>
+      <p:pic>
+        <p:nvPicPr>
+          <p:cNvPr id="7" name="Content Placeholder 6"/>
+          <p:cNvPicPr>
+            <a:picLocks noGrp="1" noChangeAspect="1"/>
+          </p:cNvPicPr>
+          <p:nvPr>
+            <p:ph idx="4294967295"/>
+          </p:nvPr>
+        </p:nvPicPr>
+        <p:blipFill>
+          <a:blip r:embed="rId2" cstate="print">
+            <a:extLst>
+              <a:ext uri="{28A0092B-C50C-407E-A947-70E740481C1C}">
+                <a14:useLocalDpi xmlns:a14="http://schemas.microsoft.com/office/drawing/2010/main" val="0"/>
+              </a:ext>
+            </a:extLst>
+          </a:blip>
+          <a:stretch>
+            <a:fillRect/>
+          </a:stretch>
+        </p:blipFill>
+        <p:spPr>
+          <a:xfrm>
+            <a:off x="2670048" y="1343542"/>
+            <a:ext cx="4260450" cy="2644529"/>
+          </a:xfrm>
+        </p:spPr>
+      </p:pic>
+    </p:spTree>
+    <p:extLst>
+      <p:ext uri="{BB962C8B-B14F-4D97-AF65-F5344CB8AC3E}">
+        <p14:creationId xmlns:p14="http://schemas.microsoft.com/office/powerpoint/2010/main" val="1783334788"/>
+      </p:ext>
+    </p:extLst>
+  </p:cSld>
+  <p:clrMapOvr>
+    <a:masterClrMapping/>
+  </p:clrMapOvr>
+  <mc:AlternateContent xmlns:mc="http://schemas.openxmlformats.org/markup-compatibility/2006" xmlns:p14="http://schemas.microsoft.com/office/powerpoint/2010/main">
+    <mc:Choice Requires="p14">
+      <p:transition p14:dur="250">
+        <p:fade/>
+      </p:transition>
+    </mc:Choice>
+    <mc:Fallback xmlns="">
+      <p:transition>
+        <p:fade/>
+      </p:transition>
+    </mc:Fallback>
+  </mc:AlternateContent>
+  <p:timing>
+    <p:tnLst>
+      <p:par>
+        <p:cTn id="1" dur="indefinite" restart="never" nodeType="tmRoot"/>
+      </p:par>
+    </p:tnLst>
+  </p:timing>
+</p:sld>
+</file>
+
+<file path=ppt/slides/slide11.xml><?xml version="1.0" encoding="utf-8"?>
+<p:sld xmlns:a="http://schemas.openxmlformats.org/drawingml/2006/main" xmlns:r="http://schemas.openxmlformats.org/officeDocument/2006/relationships" xmlns:p="http://schemas.openxmlformats.org/presentationml/2006/main">
+  <p:cSld>
+    <p:spTree>
+      <p:nvGrpSpPr>
+        <p:cNvPr id="1" name=""/>
+        <p:cNvGrpSpPr/>
+        <p:nvPr/>
+      </p:nvGrpSpPr>
+      <p:grpSpPr>
+        <a:xfrm>
+          <a:off x="0" y="0"/>
+          <a:ext cx="0" cy="0"/>
+          <a:chOff x="0" y="0"/>
+          <a:chExt cx="0" cy="0"/>
+        </a:xfrm>
+      </p:grpSpPr>
       <p:pic>
         <p:nvPicPr>
           <p:cNvPr id="6" name="Picture 5"/>
@@ -6801,7 +6949,7 @@
           <a:p>
             <a:fld id="{CA6404EB-EC22-4A9F-B979-51DB938C35B6}" type="slidenum">
               <a:rPr lang="en-US" smtClean="0"/>
-              <a:t>10</a:t>
+              <a:t>11</a:t>
             </a:fld>
             <a:endParaRPr lang="en-US" dirty="0"/>
           </a:p>
@@ -6897,6 +7045,48 @@
           </a:fontRef>
         </p:style>
       </p:cxnSp>
+      <p:sp>
+        <p:nvSpPr>
+          <p:cNvPr id="11" name="TextBox 10"/>
+          <p:cNvSpPr txBox="1"/>
+          <p:nvPr/>
+        </p:nvSpPr>
+        <p:spPr>
+          <a:xfrm>
+            <a:off x="6097723" y="6521450"/>
+            <a:ext cx="6621327" cy="246221"/>
+          </a:xfrm>
+          <a:prstGeom prst="rect">
+            <a:avLst/>
+          </a:prstGeom>
+          <a:noFill/>
+        </p:spPr>
+        <p:txBody>
+          <a:bodyPr wrap="square" rtlCol="0">
+            <a:spAutoFit/>
+          </a:bodyPr>
+          <a:lstStyle/>
+          <a:p>
+            <a:r>
+              <a:rPr lang="en-US" sz="1000" i="1" dirty="0" smtClean="0"/>
+              <a:t>Diagrams based on John Papa’s </a:t>
+            </a:r>
+            <a:r>
+              <a:rPr lang="en-US" sz="1000" i="1" dirty="0" err="1" smtClean="0">
+                <a:hlinkClick r:id="rId6"/>
+              </a:rPr>
+              <a:t>Pluralsight</a:t>
+            </a:r>
+            <a:r>
+              <a:rPr lang="en-US" sz="1000" i="1" dirty="0" smtClean="0">
+                <a:hlinkClick r:id="rId6"/>
+              </a:rPr>
+              <a:t> course</a:t>
+            </a:r>
+            <a:endParaRPr lang="en-US" sz="1000" i="1" dirty="0" smtClean="0"/>
+          </a:p>
+        </p:txBody>
+      </p:sp>
     </p:spTree>
     <p:extLst>
       <p:ext uri="{BB962C8B-B14F-4D97-AF65-F5344CB8AC3E}">
@@ -6929,7 +7119,7 @@
 </p:sld>
 </file>
 
-<file path=ppt/slides/slide11.xml><?xml version="1.0" encoding="utf-8"?>
+<file path=ppt/slides/slide12.xml><?xml version="1.0" encoding="utf-8"?>
 <p:sld xmlns:a="http://schemas.openxmlformats.org/drawingml/2006/main" xmlns:r="http://schemas.openxmlformats.org/officeDocument/2006/relationships" xmlns:p="http://schemas.openxmlformats.org/presentationml/2006/main">
   <p:cSld>
     <p:spTree>
@@ -7154,7 +7344,7 @@
           <a:p>
             <a:fld id="{CA6404EB-EC22-4A9F-B979-51DB938C35B6}" type="slidenum">
               <a:rPr lang="en-US" smtClean="0"/>
-              <a:t>11</a:t>
+              <a:t>12</a:t>
             </a:fld>
             <a:endParaRPr lang="en-US" dirty="0"/>
           </a:p>
@@ -7252,7 +7442,7 @@
 </p:sld>
 </file>
 
-<file path=ppt/slides/slide12.xml><?xml version="1.0" encoding="utf-8"?>
+<file path=ppt/slides/slide13.xml><?xml version="1.0" encoding="utf-8"?>
 <p:sld xmlns:a="http://schemas.openxmlformats.org/drawingml/2006/main" xmlns:r="http://schemas.openxmlformats.org/officeDocument/2006/relationships" xmlns:p="http://schemas.openxmlformats.org/presentationml/2006/main">
   <p:cSld>
     <p:spTree>
@@ -7498,7 +7688,7 @@
           <a:p>
             <a:fld id="{CA6404EB-EC22-4A9F-B979-51DB938C35B6}" type="slidenum">
               <a:rPr lang="en-US" smtClean="0"/>
-              <a:t>12</a:t>
+              <a:t>13</a:t>
             </a:fld>
             <a:endParaRPr lang="en-US" dirty="0"/>
           </a:p>
@@ -7634,7 +7824,7 @@
 </p:sld>
 </file>
 
-<file path=ppt/slides/slide13.xml><?xml version="1.0" encoding="utf-8"?>
+<file path=ppt/slides/slide14.xml><?xml version="1.0" encoding="utf-8"?>
 <p:sld xmlns:a="http://schemas.openxmlformats.org/drawingml/2006/main" xmlns:r="http://schemas.openxmlformats.org/officeDocument/2006/relationships" xmlns:p="http://schemas.openxmlformats.org/presentationml/2006/main">
   <p:cSld>
     <p:spTree>
@@ -7691,7 +7881,7 @@
           <a:p>
             <a:fld id="{CA6404EB-EC22-4A9F-B979-51DB938C35B6}" type="slidenum">
               <a:rPr lang="en-US" smtClean="0"/>
-              <a:t>13</a:t>
+              <a:t>14</a:t>
             </a:fld>
             <a:endParaRPr lang="en-US" dirty="0"/>
           </a:p>
@@ -7707,7 +7897,7 @@
             <p:ph idx="1"/>
             <p:extLst>
               <p:ext uri="{D42A27DB-BD31-4B8C-83A1-F6EECF244321}">
-                <p14:modId xmlns:p14="http://schemas.microsoft.com/office/powerpoint/2010/main" val="2923347137"/>
+                <p14:modId xmlns:p14="http://schemas.microsoft.com/office/powerpoint/2010/main" val="2468345871"/>
               </p:ext>
             </p:extLst>
           </p:nvPr>
@@ -7765,7 +7955,7 @@
                       <a:pPr algn="ctr"/>
                       <a:r>
                         <a:rPr lang="en-US" dirty="0" smtClean="0"/>
-                        <a:t>144</a:t>
+                        <a:t>146</a:t>
                       </a:r>
                       <a:endParaRPr lang="en-US" dirty="0"/>
                     </a:p>
@@ -7796,7 +7986,7 @@
                       <a:pPr algn="ctr"/>
                       <a:r>
                         <a:rPr lang="en-US" dirty="0" smtClean="0"/>
-                        <a:t>9,829</a:t>
+                        <a:t>9,927</a:t>
                       </a:r>
                       <a:endParaRPr lang="en-US" dirty="0"/>
                     </a:p>
@@ -7811,7 +8001,7 @@
                       <a:pPr algn="ctr"/>
                       <a:r>
                         <a:rPr lang="en-US" dirty="0" smtClean="0"/>
-                        <a:t>15,433</a:t>
+                        <a:t>15,923</a:t>
                       </a:r>
                       <a:endParaRPr lang="en-US" dirty="0"/>
                     </a:p>
@@ -7842,7 +8032,7 @@
                       <a:pPr algn="ctr"/>
                       <a:r>
                         <a:rPr lang="en-US" dirty="0" smtClean="0"/>
-                        <a:t>4,403</a:t>
+                        <a:t>5,095</a:t>
                       </a:r>
                       <a:endParaRPr lang="en-US" dirty="0"/>
                     </a:p>
@@ -7857,7 +8047,7 @@
                       <a:pPr algn="ctr"/>
                       <a:r>
                         <a:rPr lang="en-US" dirty="0" smtClean="0"/>
-                        <a:t>1,691</a:t>
+                        <a:t>1,789</a:t>
                       </a:r>
                       <a:endParaRPr lang="en-US" dirty="0"/>
                     </a:p>
@@ -8095,7 +8285,7 @@
 </p:sld>
 </file>
 
-<file path=ppt/slides/slide14.xml><?xml version="1.0" encoding="utf-8"?>
+<file path=ppt/slides/slide15.xml><?xml version="1.0" encoding="utf-8"?>
 <p:sld xmlns:a="http://schemas.openxmlformats.org/drawingml/2006/main" xmlns:r="http://schemas.openxmlformats.org/officeDocument/2006/relationships" xmlns:p="http://schemas.openxmlformats.org/presentationml/2006/main">
   <p:cSld>
     <p:spTree>
@@ -8129,7 +8319,19 @@
           <a:p>
             <a:r>
               <a:rPr lang="en-US" dirty="0" smtClean="0"/>
-              <a:t>Thoughts from the community</a:t>
+              <a:t>Tweets </a:t>
+            </a:r>
+            <a:r>
+              <a:rPr lang="en-US" dirty="0" smtClean="0"/>
+              <a:t>from </a:t>
+            </a:r>
+            <a:r>
+              <a:rPr lang="en-US" dirty="0" smtClean="0"/>
+              <a:t>thought leaders</a:t>
+            </a:r>
+            <a:r>
+              <a:rPr lang="en-US" dirty="0" smtClean="0"/>
+              <a:t/>
             </a:r>
             <a:br>
               <a:rPr lang="en-US" dirty="0" smtClean="0"/>
@@ -8192,7 +8394,7 @@
           <a:p>
             <a:fld id="{CA6404EB-EC22-4A9F-B979-51DB938C35B6}" type="slidenum">
               <a:rPr lang="en-US" smtClean="0"/>
-              <a:t>14</a:t>
+              <a:t>15</a:t>
             </a:fld>
             <a:endParaRPr lang="en-US" dirty="0"/>
           </a:p>
@@ -8436,7 +8638,7 @@
 </p:sld>
 </file>
 
-<file path=ppt/slides/slide15.xml><?xml version="1.0" encoding="utf-8"?>
+<file path=ppt/slides/slide16.xml><?xml version="1.0" encoding="utf-8"?>
 <p:sld xmlns:a="http://schemas.openxmlformats.org/drawingml/2006/main" xmlns:r="http://schemas.openxmlformats.org/officeDocument/2006/relationships" xmlns:p="http://schemas.openxmlformats.org/presentationml/2006/main">
   <p:cSld>
     <p:spTree>
@@ -8500,15 +8702,7 @@
           <a:p>
             <a:r>
               <a:rPr lang="en-US" dirty="0" smtClean="0"/>
-              <a:t>Grunt </a:t>
-            </a:r>
-            <a:r>
-              <a:rPr lang="en-US" dirty="0" smtClean="0"/>
-              <a:t>needs </a:t>
-            </a:r>
-            <a:r>
-              <a:rPr lang="en-US" dirty="0" smtClean="0"/>
-              <a:t>training wheels</a:t>
+              <a:t>Grunt needs training wheels</a:t>
             </a:r>
             <a:endParaRPr lang="en-US" dirty="0"/>
           </a:p>
@@ -8559,7 +8753,7 @@
           <a:p>
             <a:fld id="{CA6404EB-EC22-4A9F-B979-51DB938C35B6}" type="slidenum">
               <a:rPr lang="en-US" smtClean="0"/>
-              <a:t>15</a:t>
+              <a:t>16</a:t>
             </a:fld>
             <a:endParaRPr lang="en-US" dirty="0"/>
           </a:p>
@@ -8627,7 +8821,7 @@
 </p:sld>
 </file>
 
-<file path=ppt/slides/slide16.xml><?xml version="1.0" encoding="utf-8"?>
+<file path=ppt/slides/slide17.xml><?xml version="1.0" encoding="utf-8"?>
 <p:sld xmlns:a="http://schemas.openxmlformats.org/drawingml/2006/main" xmlns:r="http://schemas.openxmlformats.org/officeDocument/2006/relationships" xmlns:p="http://schemas.openxmlformats.org/presentationml/2006/main">
   <p:cSld>
     <p:spTree>
@@ -8716,7 +8910,7 @@
           <a:p>
             <a:fld id="{CA6404EB-EC22-4A9F-B979-51DB938C35B6}" type="slidenum">
               <a:rPr lang="en-US" smtClean="0"/>
-              <a:t>16</a:t>
+              <a:t>17</a:t>
             </a:fld>
             <a:endParaRPr lang="en-US" dirty="0"/>
           </a:p>
@@ -8784,7 +8978,7 @@
 </p:sld>
 </file>
 
-<file path=ppt/slides/slide17.xml><?xml version="1.0" encoding="utf-8"?>
+<file path=ppt/slides/slide18.xml><?xml version="1.0" encoding="utf-8"?>
 <p:sld xmlns:a="http://schemas.openxmlformats.org/drawingml/2006/main" xmlns:r="http://schemas.openxmlformats.org/officeDocument/2006/relationships" xmlns:p="http://schemas.openxmlformats.org/presentationml/2006/main">
   <p:cSld>
     <p:spTree>
@@ -8841,7 +9035,7 @@
           <a:p>
             <a:fld id="{CA6404EB-EC22-4A9F-B979-51DB938C35B6}" type="slidenum">
               <a:rPr lang="en-US" smtClean="0"/>
-              <a:t>17</a:t>
+              <a:t>18</a:t>
             </a:fld>
             <a:endParaRPr lang="en-US" dirty="0"/>
           </a:p>
@@ -8886,13 +9080,13 @@
   <p:clrMapOvr>
     <a:masterClrMapping/>
   </p:clrMapOvr>
-  <mc:AlternateContent xmlns:mc="http://schemas.openxmlformats.org/markup-compatibility/2006">
-    <mc:Choice xmlns:p14="http://schemas.microsoft.com/office/powerpoint/2010/main" Requires="p14">
+  <mc:AlternateContent xmlns:mc="http://schemas.openxmlformats.org/markup-compatibility/2006" xmlns:p14="http://schemas.microsoft.com/office/powerpoint/2010/main">
+    <mc:Choice Requires="p14">
       <p:transition p14:dur="250">
         <p:fade/>
       </p:transition>
     </mc:Choice>
-    <mc:Fallback>
+    <mc:Fallback xmlns="">
       <p:transition>
         <p:fade/>
       </p:transition>
@@ -8908,7 +9102,7 @@
 </p:sld>
 </file>
 
-<file path=ppt/slides/slide18.xml><?xml version="1.0" encoding="utf-8"?>
+<file path=ppt/slides/slide19.xml><?xml version="1.0" encoding="utf-8"?>
 <p:sld xmlns:a="http://schemas.openxmlformats.org/drawingml/2006/main" xmlns:r="http://schemas.openxmlformats.org/officeDocument/2006/relationships" xmlns:p="http://schemas.openxmlformats.org/presentationml/2006/main">
   <p:cSld>
     <p:spTree>
@@ -8942,19 +9136,7 @@
           <a:p>
             <a:r>
               <a:rPr lang="en-US" dirty="0" smtClean="0"/>
-              <a:t>How </a:t>
-            </a:r>
-            <a:r>
-              <a:rPr lang="en-US" dirty="0" smtClean="0"/>
-              <a:t>to </a:t>
-            </a:r>
-            <a:r>
-              <a:rPr lang="en-US" dirty="0" smtClean="0"/>
-              <a:t>use Gulp in </a:t>
-            </a:r>
-            <a:r>
-              <a:rPr lang="en-US" dirty="0" smtClean="0"/>
-              <a:t>your project</a:t>
+              <a:t>How to use Gulp in your project</a:t>
             </a:r>
             <a:endParaRPr lang="en-US" dirty="0"/>
           </a:p>
@@ -9000,7 +9182,7 @@
           <a:p>
             <a:fld id="{CA6404EB-EC22-4A9F-B979-51DB938C35B6}" type="slidenum">
               <a:rPr lang="en-US" smtClean="0"/>
-              <a:t>18</a:t>
+              <a:t>19</a:t>
             </a:fld>
             <a:endParaRPr lang="en-US" dirty="0"/>
           </a:p>
@@ -9062,385 +9244,6 @@
 </p:sld>
 </file>
 
-<file path=ppt/slides/slide19.xml><?xml version="1.0" encoding="utf-8"?>
-<p:sld xmlns:a="http://schemas.openxmlformats.org/drawingml/2006/main" xmlns:r="http://schemas.openxmlformats.org/officeDocument/2006/relationships" xmlns:p="http://schemas.openxmlformats.org/presentationml/2006/main">
-  <p:cSld>
-    <p:spTree>
-      <p:nvGrpSpPr>
-        <p:cNvPr id="1" name=""/>
-        <p:cNvGrpSpPr/>
-        <p:nvPr/>
-      </p:nvGrpSpPr>
-      <p:grpSpPr>
-        <a:xfrm>
-          <a:off x="0" y="0"/>
-          <a:ext cx="0" cy="0"/>
-          <a:chOff x="0" y="0"/>
-          <a:chExt cx="0" cy="0"/>
-        </a:xfrm>
-      </p:grpSpPr>
-      <p:pic>
-        <p:nvPicPr>
-          <p:cNvPr id="13" name="Picture 12"/>
-          <p:cNvPicPr>
-            <a:picLocks noChangeAspect="1"/>
-          </p:cNvPicPr>
-          <p:nvPr/>
-        </p:nvPicPr>
-        <p:blipFill>
-          <a:blip r:embed="rId2">
-            <a:extLst>
-              <a:ext uri="{28A0092B-C50C-407E-A947-70E740481C1C}">
-                <a14:useLocalDpi xmlns:a14="http://schemas.microsoft.com/office/drawing/2010/main" val="0"/>
-              </a:ext>
-            </a:extLst>
-          </a:blip>
-          <a:stretch>
-            <a:fillRect/>
-          </a:stretch>
-        </p:blipFill>
-        <p:spPr>
-          <a:xfrm>
-            <a:off x="675744" y="2890979"/>
-            <a:ext cx="4674584" cy="2840709"/>
-          </a:xfrm>
-          <a:prstGeom prst="rect">
-            <a:avLst/>
-          </a:prstGeom>
-        </p:spPr>
-      </p:pic>
-      <p:sp>
-        <p:nvSpPr>
-          <p:cNvPr id="2" name="Title 1"/>
-          <p:cNvSpPr>
-            <a:spLocks noGrp="1"/>
-          </p:cNvSpPr>
-          <p:nvPr>
-            <p:ph type="title"/>
-          </p:nvPr>
-        </p:nvSpPr>
-        <p:spPr/>
-        <p:txBody>
-          <a:bodyPr/>
-          <a:lstStyle/>
-          <a:p>
-            <a:r>
-              <a:rPr lang="en-US" dirty="0" smtClean="0"/>
-              <a:t>Prerequisites</a:t>
-            </a:r>
-            <a:br>
-              <a:rPr lang="en-US" dirty="0" smtClean="0"/>
-            </a:br>
-            <a:r>
-              <a:rPr lang="en-US" sz="2000" dirty="0" smtClean="0">
-                <a:solidFill>
-                  <a:schemeClr val="tx1">
-                    <a:lumMod val="50000"/>
-                    <a:lumOff val="50000"/>
-                  </a:schemeClr>
-                </a:solidFill>
-              </a:rPr>
-              <a:t>Node.js &amp; NPM (Node Package Manager)</a:t>
-            </a:r>
-            <a:endParaRPr lang="en-US" sz="2000" dirty="0">
-              <a:solidFill>
-                <a:schemeClr val="tx1">
-                  <a:lumMod val="50000"/>
-                  <a:lumOff val="50000"/>
-                </a:schemeClr>
-              </a:solidFill>
-            </a:endParaRPr>
-          </a:p>
-        </p:txBody>
-      </p:sp>
-      <p:sp>
-        <p:nvSpPr>
-          <p:cNvPr id="6" name="Text Placeholder 5"/>
-          <p:cNvSpPr>
-            <a:spLocks noGrp="1"/>
-          </p:cNvSpPr>
-          <p:nvPr>
-            <p:ph type="body" idx="1"/>
-          </p:nvPr>
-        </p:nvSpPr>
-        <p:spPr/>
-        <p:txBody>
-          <a:bodyPr/>
-          <a:lstStyle/>
-          <a:p>
-            <a:r>
-              <a:rPr lang="en-US" dirty="0" smtClean="0"/>
-              <a:t>Install via </a:t>
-            </a:r>
-            <a:r>
-              <a:rPr lang="en-US" dirty="0" smtClean="0">
-                <a:hlinkClick r:id="rId3"/>
-              </a:rPr>
-              <a:t>nodejs.org</a:t>
-            </a:r>
-            <a:r>
-              <a:rPr lang="en-US" dirty="0" smtClean="0"/>
-              <a:t>:</a:t>
-            </a:r>
-            <a:endParaRPr lang="en-US" dirty="0"/>
-          </a:p>
-        </p:txBody>
-      </p:sp>
-      <p:sp>
-        <p:nvSpPr>
-          <p:cNvPr id="3" name="Content Placeholder 2"/>
-          <p:cNvSpPr>
-            <a:spLocks noGrp="1"/>
-          </p:cNvSpPr>
-          <p:nvPr>
-            <p:ph sz="half" idx="2"/>
-          </p:nvPr>
-        </p:nvSpPr>
-        <p:spPr>
-          <a:xfrm>
-            <a:off x="5088378" y="2737245"/>
-            <a:ext cx="4185623" cy="3304117"/>
-          </a:xfrm>
-        </p:spPr>
-        <p:txBody>
-          <a:bodyPr/>
-          <a:lstStyle/>
-          <a:p>
-            <a:pPr marL="0" indent="0">
-              <a:buNone/>
-            </a:pPr>
-            <a:endParaRPr lang="en-US" dirty="0" smtClean="0"/>
-          </a:p>
-          <a:p>
-            <a:endParaRPr lang="en-US" dirty="0"/>
-          </a:p>
-        </p:txBody>
-      </p:sp>
-      <p:sp>
-        <p:nvSpPr>
-          <p:cNvPr id="7" name="Text Placeholder 6"/>
-          <p:cNvSpPr>
-            <a:spLocks noGrp="1"/>
-          </p:cNvSpPr>
-          <p:nvPr>
-            <p:ph type="body" sz="quarter" idx="3"/>
-          </p:nvPr>
-        </p:nvSpPr>
-        <p:spPr/>
-        <p:txBody>
-          <a:bodyPr/>
-          <a:lstStyle/>
-          <a:p>
-            <a:r>
-              <a:rPr lang="en-US" dirty="0" smtClean="0"/>
-              <a:t>…or via </a:t>
-            </a:r>
-            <a:r>
-              <a:rPr lang="en-US" dirty="0" smtClean="0">
-                <a:hlinkClick r:id="rId4"/>
-              </a:rPr>
-              <a:t>chocolatey.org</a:t>
-            </a:r>
-            <a:r>
-              <a:rPr lang="en-US" dirty="0" smtClean="0"/>
-              <a:t>:</a:t>
-            </a:r>
-            <a:endParaRPr lang="en-US" dirty="0"/>
-          </a:p>
-        </p:txBody>
-      </p:sp>
-      <p:sp>
-        <p:nvSpPr>
-          <p:cNvPr id="4" name="Slide Number Placeholder 3"/>
-          <p:cNvSpPr>
-            <a:spLocks noGrp="1"/>
-          </p:cNvSpPr>
-          <p:nvPr>
-            <p:ph type="sldNum" sz="quarter" idx="12"/>
-          </p:nvPr>
-        </p:nvSpPr>
-        <p:spPr/>
-        <p:txBody>
-          <a:bodyPr/>
-          <a:lstStyle/>
-          <a:p>
-            <a:fld id="{CA6404EB-EC22-4A9F-B979-51DB938C35B6}" type="slidenum">
-              <a:rPr lang="en-US" smtClean="0"/>
-              <a:t>19</a:t>
-            </a:fld>
-            <a:endParaRPr lang="en-US" dirty="0"/>
-          </a:p>
-        </p:txBody>
-      </p:sp>
-      <p:sp>
-        <p:nvSpPr>
-          <p:cNvPr id="11" name="Content Placeholder 10"/>
-          <p:cNvSpPr>
-            <a:spLocks noGrp="1"/>
-          </p:cNvSpPr>
-          <p:nvPr>
-            <p:ph sz="quarter" idx="4"/>
-          </p:nvPr>
-        </p:nvSpPr>
-        <p:spPr>
-          <a:xfrm>
-            <a:off x="5088384" y="2737245"/>
-            <a:ext cx="6678743" cy="3304117"/>
-          </a:xfrm>
-          <a:solidFill>
-            <a:srgbClr val="0070C0"/>
-          </a:solidFill>
-        </p:spPr>
-        <p:txBody>
-          <a:bodyPr/>
-          <a:lstStyle/>
-          <a:p>
-            <a:pPr marL="0" indent="0">
-              <a:buNone/>
-            </a:pPr>
-            <a:r>
-              <a:rPr lang="en-US" dirty="0" smtClean="0">
-                <a:solidFill>
-                  <a:schemeClr val="bg1"/>
-                </a:solidFill>
-                <a:latin typeface="Lucida Console" panose="020B0609040504020204" pitchFamily="49" charset="0"/>
-              </a:rPr>
-              <a:t>PS:\&gt;</a:t>
-            </a:r>
-            <a:r>
-              <a:rPr lang="en-US" dirty="0">
-                <a:solidFill>
-                  <a:schemeClr val="bg1"/>
-                </a:solidFill>
-                <a:latin typeface="Lucida Console" panose="020B0609040504020204" pitchFamily="49" charset="0"/>
-              </a:rPr>
-              <a:t>iex ((new-object net.webclient).DownloadString('https://chocolatey.org/install.ps1</a:t>
-            </a:r>
-            <a:r>
-              <a:rPr lang="en-US" dirty="0" smtClean="0">
-                <a:solidFill>
-                  <a:schemeClr val="bg1"/>
-                </a:solidFill>
-                <a:latin typeface="Lucida Console" panose="020B0609040504020204" pitchFamily="49" charset="0"/>
-              </a:rPr>
-              <a:t>'))</a:t>
-            </a:r>
-          </a:p>
-          <a:p>
-            <a:pPr marL="0" indent="0">
-              <a:buNone/>
-            </a:pPr>
-            <a:endParaRPr lang="en-US" dirty="0">
-              <a:solidFill>
-                <a:schemeClr val="bg1"/>
-              </a:solidFill>
-              <a:latin typeface="Lucida Console" panose="020B0609040504020204" pitchFamily="49" charset="0"/>
-            </a:endParaRPr>
-          </a:p>
-          <a:p>
-            <a:pPr marL="0" indent="0">
-              <a:buNone/>
-            </a:pPr>
-            <a:r>
-              <a:rPr lang="en-US" dirty="0" smtClean="0">
-                <a:solidFill>
-                  <a:schemeClr val="bg1"/>
-                </a:solidFill>
-                <a:latin typeface="Lucida Console" panose="020B0609040504020204" pitchFamily="49" charset="0"/>
-              </a:rPr>
-              <a:t>PS:\&gt;</a:t>
-            </a:r>
-            <a:r>
-              <a:rPr lang="en-US" dirty="0">
-                <a:solidFill>
-                  <a:schemeClr val="bg1"/>
-                </a:solidFill>
-                <a:latin typeface="Lucida Console" panose="020B0609040504020204" pitchFamily="49" charset="0"/>
-              </a:rPr>
-              <a:t>choco install nodejs.install</a:t>
-            </a:r>
-            <a:endParaRPr lang="en-US" dirty="0" smtClean="0">
-              <a:solidFill>
-                <a:schemeClr val="bg1"/>
-              </a:solidFill>
-              <a:latin typeface="Lucida Console" panose="020B0609040504020204" pitchFamily="49" charset="0"/>
-            </a:endParaRPr>
-          </a:p>
-          <a:p>
-            <a:pPr marL="0" indent="0">
-              <a:buNone/>
-            </a:pPr>
-            <a:endParaRPr lang="en-US" dirty="0">
-              <a:solidFill>
-                <a:schemeClr val="bg1"/>
-              </a:solidFill>
-              <a:latin typeface="Lucida Console" panose="020B0609040504020204" pitchFamily="49" charset="0"/>
-            </a:endParaRPr>
-          </a:p>
-        </p:txBody>
-      </p:sp>
-      <p:pic>
-        <p:nvPicPr>
-          <p:cNvPr id="12" name="Picture 11"/>
-          <p:cNvPicPr>
-            <a:picLocks noChangeAspect="1"/>
-          </p:cNvPicPr>
-          <p:nvPr/>
-        </p:nvPicPr>
-        <p:blipFill>
-          <a:blip r:embed="rId5">
-            <a:extLst>
-              <a:ext uri="{28A0092B-C50C-407E-A947-70E740481C1C}">
-                <a14:useLocalDpi xmlns:a14="http://schemas.microsoft.com/office/drawing/2010/main" val="0"/>
-              </a:ext>
-            </a:extLst>
-          </a:blip>
-          <a:stretch>
-            <a:fillRect/>
-          </a:stretch>
-        </p:blipFill>
-        <p:spPr>
-          <a:xfrm>
-            <a:off x="8265687" y="5280752"/>
-            <a:ext cx="3400425" cy="714375"/>
-          </a:xfrm>
-          <a:prstGeom prst="rect">
-            <a:avLst/>
-          </a:prstGeom>
-        </p:spPr>
-      </p:pic>
-    </p:spTree>
-    <p:extLst>
-      <p:ext uri="{BB962C8B-B14F-4D97-AF65-F5344CB8AC3E}">
-        <p14:creationId xmlns:p14="http://schemas.microsoft.com/office/powerpoint/2010/main" val="4264503720"/>
-      </p:ext>
-    </p:extLst>
-  </p:cSld>
-  <p:clrMapOvr>
-    <a:masterClrMapping/>
-  </p:clrMapOvr>
-  <mc:AlternateContent xmlns:mc="http://schemas.openxmlformats.org/markup-compatibility/2006" xmlns:p14="http://schemas.microsoft.com/office/powerpoint/2010/main">
-    <mc:Choice Requires="p14">
-      <p:transition p14:dur="250">
-        <p:fade/>
-      </p:transition>
-    </mc:Choice>
-    <mc:Fallback xmlns="">
-      <p:transition>
-        <p:fade/>
-      </p:transition>
-    </mc:Fallback>
-  </mc:AlternateContent>
-  <p:timing>
-    <p:tnLst>
-      <p:par>
-        <p:cTn id="1" dur="indefinite" restart="never" nodeType="tmRoot"/>
-      </p:par>
-    </p:tnLst>
-  </p:timing>
-</p:sld>
-</file>
-
 <file path=ppt/slides/slide2.xml><?xml version="1.0" encoding="utf-8"?>
 <p:sld xmlns:a="http://schemas.openxmlformats.org/drawingml/2006/main" xmlns:r="http://schemas.openxmlformats.org/officeDocument/2006/relationships" xmlns:p="http://schemas.openxmlformats.org/presentationml/2006/main">
   <p:cSld>
@@ -9524,7 +9327,7 @@
               <a:buNone/>
             </a:pPr>
             <a:r>
-              <a:rPr lang="en-US" dirty="0" smtClean="0"/>
+              <a:rPr lang="en-US" b="1" dirty="0" smtClean="0"/>
               <a:t>Scott Addie</a:t>
             </a:r>
           </a:p>
@@ -9857,6 +9660,385 @@
           <a:chExt cx="0" cy="0"/>
         </a:xfrm>
       </p:grpSpPr>
+      <p:pic>
+        <p:nvPicPr>
+          <p:cNvPr id="13" name="Picture 12"/>
+          <p:cNvPicPr>
+            <a:picLocks noChangeAspect="1"/>
+          </p:cNvPicPr>
+          <p:nvPr/>
+        </p:nvPicPr>
+        <p:blipFill>
+          <a:blip r:embed="rId2">
+            <a:extLst>
+              <a:ext uri="{28A0092B-C50C-407E-A947-70E740481C1C}">
+                <a14:useLocalDpi xmlns:a14="http://schemas.microsoft.com/office/drawing/2010/main" val="0"/>
+              </a:ext>
+            </a:extLst>
+          </a:blip>
+          <a:stretch>
+            <a:fillRect/>
+          </a:stretch>
+        </p:blipFill>
+        <p:spPr>
+          <a:xfrm>
+            <a:off x="675744" y="2890979"/>
+            <a:ext cx="4674584" cy="2840709"/>
+          </a:xfrm>
+          <a:prstGeom prst="rect">
+            <a:avLst/>
+          </a:prstGeom>
+        </p:spPr>
+      </p:pic>
+      <p:sp>
+        <p:nvSpPr>
+          <p:cNvPr id="2" name="Title 1"/>
+          <p:cNvSpPr>
+            <a:spLocks noGrp="1"/>
+          </p:cNvSpPr>
+          <p:nvPr>
+            <p:ph type="title"/>
+          </p:nvPr>
+        </p:nvSpPr>
+        <p:spPr/>
+        <p:txBody>
+          <a:bodyPr/>
+          <a:lstStyle/>
+          <a:p>
+            <a:r>
+              <a:rPr lang="en-US" dirty="0" smtClean="0"/>
+              <a:t>Prerequisites</a:t>
+            </a:r>
+            <a:br>
+              <a:rPr lang="en-US" dirty="0" smtClean="0"/>
+            </a:br>
+            <a:r>
+              <a:rPr lang="en-US" sz="2000" dirty="0" smtClean="0">
+                <a:solidFill>
+                  <a:schemeClr val="tx1">
+                    <a:lumMod val="50000"/>
+                    <a:lumOff val="50000"/>
+                  </a:schemeClr>
+                </a:solidFill>
+              </a:rPr>
+              <a:t>Node.js &amp; NPM (Node Package Manager)</a:t>
+            </a:r>
+            <a:endParaRPr lang="en-US" sz="2000" dirty="0">
+              <a:solidFill>
+                <a:schemeClr val="tx1">
+                  <a:lumMod val="50000"/>
+                  <a:lumOff val="50000"/>
+                </a:schemeClr>
+              </a:solidFill>
+            </a:endParaRPr>
+          </a:p>
+        </p:txBody>
+      </p:sp>
+      <p:sp>
+        <p:nvSpPr>
+          <p:cNvPr id="6" name="Text Placeholder 5"/>
+          <p:cNvSpPr>
+            <a:spLocks noGrp="1"/>
+          </p:cNvSpPr>
+          <p:nvPr>
+            <p:ph type="body" idx="1"/>
+          </p:nvPr>
+        </p:nvSpPr>
+        <p:spPr/>
+        <p:txBody>
+          <a:bodyPr/>
+          <a:lstStyle/>
+          <a:p>
+            <a:r>
+              <a:rPr lang="en-US" dirty="0" smtClean="0"/>
+              <a:t>Install via </a:t>
+            </a:r>
+            <a:r>
+              <a:rPr lang="en-US" dirty="0" smtClean="0">
+                <a:hlinkClick r:id="rId3"/>
+              </a:rPr>
+              <a:t>nodejs.org</a:t>
+            </a:r>
+            <a:r>
+              <a:rPr lang="en-US" dirty="0" smtClean="0"/>
+              <a:t>:</a:t>
+            </a:r>
+            <a:endParaRPr lang="en-US" dirty="0"/>
+          </a:p>
+        </p:txBody>
+      </p:sp>
+      <p:sp>
+        <p:nvSpPr>
+          <p:cNvPr id="3" name="Content Placeholder 2"/>
+          <p:cNvSpPr>
+            <a:spLocks noGrp="1"/>
+          </p:cNvSpPr>
+          <p:nvPr>
+            <p:ph sz="half" idx="2"/>
+          </p:nvPr>
+        </p:nvSpPr>
+        <p:spPr>
+          <a:xfrm>
+            <a:off x="5088378" y="2737245"/>
+            <a:ext cx="4185623" cy="3304117"/>
+          </a:xfrm>
+        </p:spPr>
+        <p:txBody>
+          <a:bodyPr/>
+          <a:lstStyle/>
+          <a:p>
+            <a:pPr marL="0" indent="0">
+              <a:buNone/>
+            </a:pPr>
+            <a:endParaRPr lang="en-US" dirty="0" smtClean="0"/>
+          </a:p>
+          <a:p>
+            <a:endParaRPr lang="en-US" dirty="0"/>
+          </a:p>
+        </p:txBody>
+      </p:sp>
+      <p:sp>
+        <p:nvSpPr>
+          <p:cNvPr id="7" name="Text Placeholder 6"/>
+          <p:cNvSpPr>
+            <a:spLocks noGrp="1"/>
+          </p:cNvSpPr>
+          <p:nvPr>
+            <p:ph type="body" sz="quarter" idx="3"/>
+          </p:nvPr>
+        </p:nvSpPr>
+        <p:spPr/>
+        <p:txBody>
+          <a:bodyPr/>
+          <a:lstStyle/>
+          <a:p>
+            <a:r>
+              <a:rPr lang="en-US" dirty="0" smtClean="0"/>
+              <a:t>…or via </a:t>
+            </a:r>
+            <a:r>
+              <a:rPr lang="en-US" dirty="0" smtClean="0">
+                <a:hlinkClick r:id="rId4"/>
+              </a:rPr>
+              <a:t>chocolatey.org</a:t>
+            </a:r>
+            <a:r>
+              <a:rPr lang="en-US" dirty="0" smtClean="0"/>
+              <a:t>:</a:t>
+            </a:r>
+            <a:endParaRPr lang="en-US" dirty="0"/>
+          </a:p>
+        </p:txBody>
+      </p:sp>
+      <p:sp>
+        <p:nvSpPr>
+          <p:cNvPr id="4" name="Slide Number Placeholder 3"/>
+          <p:cNvSpPr>
+            <a:spLocks noGrp="1"/>
+          </p:cNvSpPr>
+          <p:nvPr>
+            <p:ph type="sldNum" sz="quarter" idx="12"/>
+          </p:nvPr>
+        </p:nvSpPr>
+        <p:spPr/>
+        <p:txBody>
+          <a:bodyPr/>
+          <a:lstStyle/>
+          <a:p>
+            <a:fld id="{CA6404EB-EC22-4A9F-B979-51DB938C35B6}" type="slidenum">
+              <a:rPr lang="en-US" smtClean="0"/>
+              <a:t>20</a:t>
+            </a:fld>
+            <a:endParaRPr lang="en-US" dirty="0"/>
+          </a:p>
+        </p:txBody>
+      </p:sp>
+      <p:sp>
+        <p:nvSpPr>
+          <p:cNvPr id="11" name="Content Placeholder 10"/>
+          <p:cNvSpPr>
+            <a:spLocks noGrp="1"/>
+          </p:cNvSpPr>
+          <p:nvPr>
+            <p:ph sz="quarter" idx="4"/>
+          </p:nvPr>
+        </p:nvSpPr>
+        <p:spPr>
+          <a:xfrm>
+            <a:off x="5088384" y="2737245"/>
+            <a:ext cx="6678743" cy="3304117"/>
+          </a:xfrm>
+          <a:solidFill>
+            <a:srgbClr val="0070C0"/>
+          </a:solidFill>
+        </p:spPr>
+        <p:txBody>
+          <a:bodyPr/>
+          <a:lstStyle/>
+          <a:p>
+            <a:pPr marL="0" indent="0">
+              <a:buNone/>
+            </a:pPr>
+            <a:r>
+              <a:rPr lang="en-US" dirty="0" smtClean="0">
+                <a:solidFill>
+                  <a:schemeClr val="bg1"/>
+                </a:solidFill>
+                <a:latin typeface="Lucida Console" panose="020B0609040504020204" pitchFamily="49" charset="0"/>
+              </a:rPr>
+              <a:t>PS:\&gt;</a:t>
+            </a:r>
+            <a:r>
+              <a:rPr lang="en-US" dirty="0">
+                <a:solidFill>
+                  <a:schemeClr val="bg1"/>
+                </a:solidFill>
+                <a:latin typeface="Lucida Console" panose="020B0609040504020204" pitchFamily="49" charset="0"/>
+              </a:rPr>
+              <a:t>iex ((new-object net.webclient).DownloadString('https://chocolatey.org/install.ps1</a:t>
+            </a:r>
+            <a:r>
+              <a:rPr lang="en-US" dirty="0" smtClean="0">
+                <a:solidFill>
+                  <a:schemeClr val="bg1"/>
+                </a:solidFill>
+                <a:latin typeface="Lucida Console" panose="020B0609040504020204" pitchFamily="49" charset="0"/>
+              </a:rPr>
+              <a:t>'))</a:t>
+            </a:r>
+          </a:p>
+          <a:p>
+            <a:pPr marL="0" indent="0">
+              <a:buNone/>
+            </a:pPr>
+            <a:endParaRPr lang="en-US" dirty="0">
+              <a:solidFill>
+                <a:schemeClr val="bg1"/>
+              </a:solidFill>
+              <a:latin typeface="Lucida Console" panose="020B0609040504020204" pitchFamily="49" charset="0"/>
+            </a:endParaRPr>
+          </a:p>
+          <a:p>
+            <a:pPr marL="0" indent="0">
+              <a:buNone/>
+            </a:pPr>
+            <a:r>
+              <a:rPr lang="en-US" dirty="0" smtClean="0">
+                <a:solidFill>
+                  <a:schemeClr val="bg1"/>
+                </a:solidFill>
+                <a:latin typeface="Lucida Console" panose="020B0609040504020204" pitchFamily="49" charset="0"/>
+              </a:rPr>
+              <a:t>PS:\&gt;</a:t>
+            </a:r>
+            <a:r>
+              <a:rPr lang="en-US" dirty="0">
+                <a:solidFill>
+                  <a:schemeClr val="bg1"/>
+                </a:solidFill>
+                <a:latin typeface="Lucida Console" panose="020B0609040504020204" pitchFamily="49" charset="0"/>
+              </a:rPr>
+              <a:t>choco install nodejs.install</a:t>
+            </a:r>
+            <a:endParaRPr lang="en-US" dirty="0" smtClean="0">
+              <a:solidFill>
+                <a:schemeClr val="bg1"/>
+              </a:solidFill>
+              <a:latin typeface="Lucida Console" panose="020B0609040504020204" pitchFamily="49" charset="0"/>
+            </a:endParaRPr>
+          </a:p>
+          <a:p>
+            <a:pPr marL="0" indent="0">
+              <a:buNone/>
+            </a:pPr>
+            <a:endParaRPr lang="en-US" dirty="0">
+              <a:solidFill>
+                <a:schemeClr val="bg1"/>
+              </a:solidFill>
+              <a:latin typeface="Lucida Console" panose="020B0609040504020204" pitchFamily="49" charset="0"/>
+            </a:endParaRPr>
+          </a:p>
+        </p:txBody>
+      </p:sp>
+      <p:pic>
+        <p:nvPicPr>
+          <p:cNvPr id="12" name="Picture 11"/>
+          <p:cNvPicPr>
+            <a:picLocks noChangeAspect="1"/>
+          </p:cNvPicPr>
+          <p:nvPr/>
+        </p:nvPicPr>
+        <p:blipFill>
+          <a:blip r:embed="rId5">
+            <a:extLst>
+              <a:ext uri="{28A0092B-C50C-407E-A947-70E740481C1C}">
+                <a14:useLocalDpi xmlns:a14="http://schemas.microsoft.com/office/drawing/2010/main" val="0"/>
+              </a:ext>
+            </a:extLst>
+          </a:blip>
+          <a:stretch>
+            <a:fillRect/>
+          </a:stretch>
+        </p:blipFill>
+        <p:spPr>
+          <a:xfrm>
+            <a:off x="8265687" y="5280752"/>
+            <a:ext cx="3400425" cy="714375"/>
+          </a:xfrm>
+          <a:prstGeom prst="rect">
+            <a:avLst/>
+          </a:prstGeom>
+        </p:spPr>
+      </p:pic>
+    </p:spTree>
+    <p:extLst>
+      <p:ext uri="{BB962C8B-B14F-4D97-AF65-F5344CB8AC3E}">
+        <p14:creationId xmlns:p14="http://schemas.microsoft.com/office/powerpoint/2010/main" val="4264503720"/>
+      </p:ext>
+    </p:extLst>
+  </p:cSld>
+  <p:clrMapOvr>
+    <a:masterClrMapping/>
+  </p:clrMapOvr>
+  <mc:AlternateContent xmlns:mc="http://schemas.openxmlformats.org/markup-compatibility/2006" xmlns:p14="http://schemas.microsoft.com/office/powerpoint/2010/main">
+    <mc:Choice Requires="p14">
+      <p:transition p14:dur="250">
+        <p:fade/>
+      </p:transition>
+    </mc:Choice>
+    <mc:Fallback xmlns="">
+      <p:transition>
+        <p:fade/>
+      </p:transition>
+    </mc:Fallback>
+  </mc:AlternateContent>
+  <p:timing>
+    <p:tnLst>
+      <p:par>
+        <p:cTn id="1" dur="indefinite" restart="never" nodeType="tmRoot"/>
+      </p:par>
+    </p:tnLst>
+  </p:timing>
+</p:sld>
+</file>
+
+<file path=ppt/slides/slide21.xml><?xml version="1.0" encoding="utf-8"?>
+<p:sld xmlns:a="http://schemas.openxmlformats.org/drawingml/2006/main" xmlns:r="http://schemas.openxmlformats.org/officeDocument/2006/relationships" xmlns:p="http://schemas.openxmlformats.org/presentationml/2006/main">
+  <p:cSld>
+    <p:spTree>
+      <p:nvGrpSpPr>
+        <p:cNvPr id="1" name=""/>
+        <p:cNvGrpSpPr/>
+        <p:nvPr/>
+      </p:nvGrpSpPr>
+      <p:grpSpPr>
+        <a:xfrm>
+          <a:off x="0" y="0"/>
+          <a:ext cx="0" cy="0"/>
+          <a:chOff x="0" y="0"/>
+          <a:chExt cx="0" cy="0"/>
+        </a:xfrm>
+      </p:grpSpPr>
       <mc:AlternateContent xmlns:mc="http://schemas.openxmlformats.org/markup-compatibility/2006" xmlns:we="http://schemas.microsoft.com/office/webextensions/webextension/2010/11" xmlns:pca="http://schemas.microsoft.com/office/powerpoint/2013/contentapp">
         <mc:Choice Requires="we pca">
           <p:graphicFrame>
@@ -9955,7 +10137,7 @@
           <a:p>
             <a:fld id="{CA6404EB-EC22-4A9F-B979-51DB938C35B6}" type="slidenum">
               <a:rPr lang="en-US" smtClean="0"/>
-              <a:t>20</a:t>
+              <a:t>21</a:t>
             </a:fld>
             <a:endParaRPr lang="en-US" dirty="0"/>
           </a:p>
@@ -10019,7 +10201,7 @@
 </p:sld>
 </file>
 
-<file path=ppt/slides/slide21.xml><?xml version="1.0" encoding="utf-8"?>
+<file path=ppt/slides/slide22.xml><?xml version="1.0" encoding="utf-8"?>
 <p:sld xmlns:a="http://schemas.openxmlformats.org/drawingml/2006/main" xmlns:r="http://schemas.openxmlformats.org/officeDocument/2006/relationships" xmlns:p="http://schemas.openxmlformats.org/presentationml/2006/main">
   <p:cSld>
     <p:spTree>
@@ -10080,7 +10262,7 @@
           <a:p>
             <a:fld id="{CA6404EB-EC22-4A9F-B979-51DB938C35B6}" type="slidenum">
               <a:rPr lang="en-US" smtClean="0"/>
-              <a:t>21</a:t>
+              <a:t>22</a:t>
             </a:fld>
             <a:endParaRPr lang="en-US" dirty="0"/>
           </a:p>
@@ -10168,7 +10350,7 @@
 </p:sld>
 </file>
 
-<file path=ppt/slides/slide22.xml><?xml version="1.0" encoding="utf-8"?>
+<file path=ppt/slides/slide23.xml><?xml version="1.0" encoding="utf-8"?>
 <p:sld xmlns:a="http://schemas.openxmlformats.org/drawingml/2006/main" xmlns:r="http://schemas.openxmlformats.org/officeDocument/2006/relationships" xmlns:p="http://schemas.openxmlformats.org/presentationml/2006/main">
   <p:cSld>
     <p:spTree>
@@ -10251,7 +10433,7 @@
           <a:p>
             <a:fld id="{CA6404EB-EC22-4A9F-B979-51DB938C35B6}" type="slidenum">
               <a:rPr lang="en-US" smtClean="0"/>
-              <a:t>22</a:t>
+              <a:t>23</a:t>
             </a:fld>
             <a:endParaRPr lang="en-US" dirty="0"/>
           </a:p>
@@ -10313,7 +10495,7 @@
 </p:sld>
 </file>
 
-<file path=ppt/slides/slide23.xml><?xml version="1.0" encoding="utf-8"?>
+<file path=ppt/slides/slide24.xml><?xml version="1.0" encoding="utf-8"?>
 <p:sld xmlns:a="http://schemas.openxmlformats.org/drawingml/2006/main" xmlns:r="http://schemas.openxmlformats.org/officeDocument/2006/relationships" xmlns:p="http://schemas.openxmlformats.org/presentationml/2006/main">
   <p:cSld>
     <p:spTree>
@@ -10370,7 +10552,7 @@
           <a:p>
             <a:fld id="{CA6404EB-EC22-4A9F-B979-51DB938C35B6}" type="slidenum">
               <a:rPr lang="en-US" smtClean="0"/>
-              <a:t>23</a:t>
+              <a:t>24</a:t>
             </a:fld>
             <a:endParaRPr lang="en-US" dirty="0"/>
           </a:p>
@@ -10463,7 +10645,7 @@
 </p:sld>
 </file>
 
-<file path=ppt/slides/slide24.xml><?xml version="1.0" encoding="utf-8"?>
+<file path=ppt/slides/slide25.xml><?xml version="1.0" encoding="utf-8"?>
 <p:sld xmlns:a="http://schemas.openxmlformats.org/drawingml/2006/main" xmlns:r="http://schemas.openxmlformats.org/officeDocument/2006/relationships" xmlns:p="http://schemas.openxmlformats.org/presentationml/2006/main">
   <p:cSld>
     <p:spTree>
@@ -10579,7 +10761,7 @@
           <a:p>
             <a:fld id="{CA6404EB-EC22-4A9F-B979-51DB938C35B6}" type="slidenum">
               <a:rPr lang="en-US" smtClean="0"/>
-              <a:t>24</a:t>
+              <a:t>25</a:t>
             </a:fld>
             <a:endParaRPr lang="en-US" dirty="0"/>
           </a:p>
@@ -10589,127 +10771,6 @@
     <p:extLst>
       <p:ext uri="{BB962C8B-B14F-4D97-AF65-F5344CB8AC3E}">
         <p14:creationId xmlns:p14="http://schemas.microsoft.com/office/powerpoint/2010/main" val="381868195"/>
-      </p:ext>
-    </p:extLst>
-  </p:cSld>
-  <p:clrMapOvr>
-    <a:masterClrMapping/>
-  </p:clrMapOvr>
-  <mc:AlternateContent xmlns:mc="http://schemas.openxmlformats.org/markup-compatibility/2006" xmlns:p14="http://schemas.microsoft.com/office/powerpoint/2010/main">
-    <mc:Choice Requires="p14">
-      <p:transition p14:dur="250">
-        <p:fade/>
-      </p:transition>
-    </mc:Choice>
-    <mc:Fallback xmlns="">
-      <p:transition>
-        <p:fade/>
-      </p:transition>
-    </mc:Fallback>
-  </mc:AlternateContent>
-  <p:timing>
-    <p:tnLst>
-      <p:par>
-        <p:cTn id="1" dur="indefinite" restart="never" nodeType="tmRoot"/>
-      </p:par>
-    </p:tnLst>
-  </p:timing>
-</p:sld>
-</file>
-
-<file path=ppt/slides/slide25.xml><?xml version="1.0" encoding="utf-8"?>
-<p:sld xmlns:a="http://schemas.openxmlformats.org/drawingml/2006/main" xmlns:r="http://schemas.openxmlformats.org/officeDocument/2006/relationships" xmlns:p="http://schemas.openxmlformats.org/presentationml/2006/main">
-  <p:cSld>
-    <p:spTree>
-      <p:nvGrpSpPr>
-        <p:cNvPr id="1" name=""/>
-        <p:cNvGrpSpPr/>
-        <p:nvPr/>
-      </p:nvGrpSpPr>
-      <p:grpSpPr>
-        <a:xfrm>
-          <a:off x="0" y="0"/>
-          <a:ext cx="0" cy="0"/>
-          <a:chOff x="0" y="0"/>
-          <a:chExt cx="0" cy="0"/>
-        </a:xfrm>
-      </p:grpSpPr>
-      <p:sp>
-        <p:nvSpPr>
-          <p:cNvPr id="2" name="Title 1"/>
-          <p:cNvSpPr>
-            <a:spLocks noGrp="1"/>
-          </p:cNvSpPr>
-          <p:nvPr>
-            <p:ph type="title"/>
-          </p:nvPr>
-        </p:nvSpPr>
-        <p:spPr/>
-        <p:txBody>
-          <a:bodyPr/>
-          <a:lstStyle/>
-          <a:p>
-            <a:r>
-              <a:rPr lang="en-US" dirty="0" smtClean="0"/>
-              <a:t>5. Run Gulp task</a:t>
-            </a:r>
-            <a:endParaRPr lang="en-US" dirty="0"/>
-          </a:p>
-        </p:txBody>
-      </p:sp>
-      <p:pic>
-        <p:nvPicPr>
-          <p:cNvPr id="5" name="Content Placeholder 4"/>
-          <p:cNvPicPr>
-            <a:picLocks noGrp="1" noChangeAspect="1"/>
-          </p:cNvPicPr>
-          <p:nvPr>
-            <p:ph idx="1"/>
-          </p:nvPr>
-        </p:nvPicPr>
-        <p:blipFill>
-          <a:blip r:embed="rId2"/>
-          <a:stretch>
-            <a:fillRect/>
-          </a:stretch>
-        </p:blipFill>
-        <p:spPr>
-          <a:xfrm>
-            <a:off x="899007" y="1270000"/>
-            <a:ext cx="5476875" cy="1685925"/>
-          </a:xfrm>
-          <a:prstGeom prst="rect">
-            <a:avLst/>
-          </a:prstGeom>
-        </p:spPr>
-      </p:pic>
-      <p:sp>
-        <p:nvSpPr>
-          <p:cNvPr id="4" name="Slide Number Placeholder 3"/>
-          <p:cNvSpPr>
-            <a:spLocks noGrp="1"/>
-          </p:cNvSpPr>
-          <p:nvPr>
-            <p:ph type="sldNum" sz="quarter" idx="12"/>
-          </p:nvPr>
-        </p:nvSpPr>
-        <p:spPr/>
-        <p:txBody>
-          <a:bodyPr/>
-          <a:lstStyle/>
-          <a:p>
-            <a:fld id="{CA6404EB-EC22-4A9F-B979-51DB938C35B6}" type="slidenum">
-              <a:rPr lang="en-US" smtClean="0"/>
-              <a:t>25</a:t>
-            </a:fld>
-            <a:endParaRPr lang="en-US" dirty="0"/>
-          </a:p>
-        </p:txBody>
-      </p:sp>
-    </p:spTree>
-    <p:extLst>
-      <p:ext uri="{BB962C8B-B14F-4D97-AF65-F5344CB8AC3E}">
-        <p14:creationId xmlns:p14="http://schemas.microsoft.com/office/powerpoint/2010/main" val="533897093"/>
       </p:ext>
     </p:extLst>
   </p:cSld>
@@ -10757,6 +10818,127 @@
       </p:grpSpPr>
       <p:sp>
         <p:nvSpPr>
+          <p:cNvPr id="2" name="Title 1"/>
+          <p:cNvSpPr>
+            <a:spLocks noGrp="1"/>
+          </p:cNvSpPr>
+          <p:nvPr>
+            <p:ph type="title"/>
+          </p:nvPr>
+        </p:nvSpPr>
+        <p:spPr/>
+        <p:txBody>
+          <a:bodyPr/>
+          <a:lstStyle/>
+          <a:p>
+            <a:r>
+              <a:rPr lang="en-US" dirty="0" smtClean="0"/>
+              <a:t>5. Run Gulp task</a:t>
+            </a:r>
+            <a:endParaRPr lang="en-US" dirty="0"/>
+          </a:p>
+        </p:txBody>
+      </p:sp>
+      <p:pic>
+        <p:nvPicPr>
+          <p:cNvPr id="5" name="Content Placeholder 4"/>
+          <p:cNvPicPr>
+            <a:picLocks noGrp="1" noChangeAspect="1"/>
+          </p:cNvPicPr>
+          <p:nvPr>
+            <p:ph idx="1"/>
+          </p:nvPr>
+        </p:nvPicPr>
+        <p:blipFill>
+          <a:blip r:embed="rId2"/>
+          <a:stretch>
+            <a:fillRect/>
+          </a:stretch>
+        </p:blipFill>
+        <p:spPr>
+          <a:xfrm>
+            <a:off x="899007" y="1270000"/>
+            <a:ext cx="5476875" cy="1685925"/>
+          </a:xfrm>
+          <a:prstGeom prst="rect">
+            <a:avLst/>
+          </a:prstGeom>
+        </p:spPr>
+      </p:pic>
+      <p:sp>
+        <p:nvSpPr>
+          <p:cNvPr id="4" name="Slide Number Placeholder 3"/>
+          <p:cNvSpPr>
+            <a:spLocks noGrp="1"/>
+          </p:cNvSpPr>
+          <p:nvPr>
+            <p:ph type="sldNum" sz="quarter" idx="12"/>
+          </p:nvPr>
+        </p:nvSpPr>
+        <p:spPr/>
+        <p:txBody>
+          <a:bodyPr/>
+          <a:lstStyle/>
+          <a:p>
+            <a:fld id="{CA6404EB-EC22-4A9F-B979-51DB938C35B6}" type="slidenum">
+              <a:rPr lang="en-US" smtClean="0"/>
+              <a:t>26</a:t>
+            </a:fld>
+            <a:endParaRPr lang="en-US" dirty="0"/>
+          </a:p>
+        </p:txBody>
+      </p:sp>
+    </p:spTree>
+    <p:extLst>
+      <p:ext uri="{BB962C8B-B14F-4D97-AF65-F5344CB8AC3E}">
+        <p14:creationId xmlns:p14="http://schemas.microsoft.com/office/powerpoint/2010/main" val="533897093"/>
+      </p:ext>
+    </p:extLst>
+  </p:cSld>
+  <p:clrMapOvr>
+    <a:masterClrMapping/>
+  </p:clrMapOvr>
+  <mc:AlternateContent xmlns:mc="http://schemas.openxmlformats.org/markup-compatibility/2006" xmlns:p14="http://schemas.microsoft.com/office/powerpoint/2010/main">
+    <mc:Choice Requires="p14">
+      <p:transition p14:dur="250">
+        <p:fade/>
+      </p:transition>
+    </mc:Choice>
+    <mc:Fallback xmlns="">
+      <p:transition>
+        <p:fade/>
+      </p:transition>
+    </mc:Fallback>
+  </mc:AlternateContent>
+  <p:timing>
+    <p:tnLst>
+      <p:par>
+        <p:cTn id="1" dur="indefinite" restart="never" nodeType="tmRoot"/>
+      </p:par>
+    </p:tnLst>
+  </p:timing>
+</p:sld>
+</file>
+
+<file path=ppt/slides/slide27.xml><?xml version="1.0" encoding="utf-8"?>
+<p:sld xmlns:a="http://schemas.openxmlformats.org/drawingml/2006/main" xmlns:r="http://schemas.openxmlformats.org/officeDocument/2006/relationships" xmlns:p="http://schemas.openxmlformats.org/presentationml/2006/main">
+  <p:cSld>
+    <p:spTree>
+      <p:nvGrpSpPr>
+        <p:cNvPr id="1" name=""/>
+        <p:cNvGrpSpPr/>
+        <p:nvPr/>
+      </p:nvGrpSpPr>
+      <p:grpSpPr>
+        <a:xfrm>
+          <a:off x="0" y="0"/>
+          <a:ext cx="0" cy="0"/>
+          <a:chOff x="0" y="0"/>
+          <a:chExt cx="0" cy="0"/>
+        </a:xfrm>
+      </p:grpSpPr>
+      <p:sp>
+        <p:nvSpPr>
           <p:cNvPr id="8" name="TextBox 7"/>
           <p:cNvSpPr txBox="1"/>
           <p:nvPr/>
@@ -10857,7 +11039,7 @@
           <a:p>
             <a:fld id="{CA6404EB-EC22-4A9F-B979-51DB938C35B6}" type="slidenum">
               <a:rPr lang="en-US" smtClean="0"/>
-              <a:t>26</a:t>
+              <a:t>27</a:t>
             </a:fld>
             <a:endParaRPr lang="en-US" dirty="0"/>
           </a:p>
@@ -10979,7 +11161,7 @@
 </p:sld>
 </file>
 
-<file path=ppt/slides/slide27.xml><?xml version="1.0" encoding="utf-8"?>
+<file path=ppt/slides/slide28.xml><?xml version="1.0" encoding="utf-8"?>
 <p:sld xmlns:a="http://schemas.openxmlformats.org/drawingml/2006/main" xmlns:r="http://schemas.openxmlformats.org/officeDocument/2006/relationships" xmlns:p="http://schemas.openxmlformats.org/presentationml/2006/main">
   <p:cSld>
     <p:spTree>
@@ -11174,7 +11356,7 @@
           <a:p>
             <a:fld id="{CA6404EB-EC22-4A9F-B979-51DB938C35B6}" type="slidenum">
               <a:rPr lang="en-US" smtClean="0"/>
-              <a:t>27</a:t>
+              <a:t>28</a:t>
             </a:fld>
             <a:endParaRPr lang="en-US" dirty="0"/>
           </a:p>
@@ -11598,9 +11780,16 @@
           <a:p>
             <a:r>
               <a:rPr lang="en-US" dirty="0" smtClean="0"/>
-              <a:t>Analyzing code (e.g., linting)</a:t>
-            </a:r>
-            <a:endParaRPr lang="en-US" dirty="0"/>
+              <a:t>Analyzing code (e.g., </a:t>
+            </a:r>
+            <a:r>
+              <a:rPr lang="en-US" dirty="0" err="1" smtClean="0"/>
+              <a:t>linting</a:t>
+            </a:r>
+            <a:r>
+              <a:rPr lang="en-US" dirty="0" smtClean="0"/>
+              <a:t>)</a:t>
+            </a:r>
           </a:p>
         </p:txBody>
       </p:sp>
@@ -11678,7 +11867,7 @@
       </p:grpSpPr>
       <p:sp>
         <p:nvSpPr>
-          <p:cNvPr id="5" name="Title 4"/>
+          <p:cNvPr id="2" name="Title 1"/>
           <p:cNvSpPr>
             <a:spLocks noGrp="1"/>
           </p:cNvSpPr>
@@ -11688,49 +11877,16 @@
         </p:nvSpPr>
         <p:spPr/>
         <p:txBody>
-          <a:bodyPr/>
-          <a:lstStyle/>
-          <a:p>
-            <a:r>
-              <a:rPr lang="en-US" dirty="0" smtClean="0"/>
-              <a:t>Why </a:t>
-            </a:r>
-            <a:r>
-              <a:rPr lang="en-US" dirty="0" smtClean="0"/>
-              <a:t>to use </a:t>
-            </a:r>
-            <a:r>
-              <a:rPr lang="en-US" dirty="0" smtClean="0"/>
-              <a:t>one with </a:t>
-            </a:r>
-            <a:r>
-              <a:rPr lang="en-US" dirty="0" smtClean="0"/>
-              <a:t>ASP.NET</a:t>
-            </a:r>
-            <a:endParaRPr lang="en-US" dirty="0"/>
-          </a:p>
-        </p:txBody>
-      </p:sp>
-      <p:sp>
-        <p:nvSpPr>
-          <p:cNvPr id="6" name="Text Placeholder 5"/>
-          <p:cNvSpPr>
-            <a:spLocks noGrp="1"/>
-          </p:cNvSpPr>
-          <p:nvPr>
-            <p:ph type="body" idx="1"/>
-          </p:nvPr>
-        </p:nvSpPr>
-        <p:spPr/>
-        <p:txBody>
-          <a:bodyPr/>
-          <a:lstStyle/>
-          <a:p>
-            <a:r>
-              <a:rPr lang="en-US" dirty="0" smtClean="0"/>
-              <a:t>3 Compelling Reasons</a:t>
-            </a:r>
-            <a:endParaRPr lang="en-US" dirty="0"/>
+          <a:bodyPr>
+            <a:normAutofit/>
+          </a:bodyPr>
+          <a:lstStyle/>
+          <a:p>
+            <a:r>
+              <a:rPr lang="en-US" sz="3400" dirty="0" smtClean="0"/>
+              <a:t>If I have to remember, I’m going to forget</a:t>
+            </a:r>
+            <a:endParaRPr lang="en-US" sz="3400" dirty="0"/>
           </a:p>
         </p:txBody>
       </p:sp>
@@ -11757,10 +11913,53 @@
           </a:p>
         </p:txBody>
       </p:sp>
+      <p:pic>
+        <p:nvPicPr>
+          <p:cNvPr id="1026" name="Picture 2" descr="https://thinkingdriver.files.wordpress.com/2013/03/bicycle.jpg"/>
+          <p:cNvPicPr>
+            <a:picLocks noGrp="1" noChangeAspect="1" noChangeArrowheads="1"/>
+          </p:cNvPicPr>
+          <p:nvPr>
+            <p:ph idx="1"/>
+          </p:nvPr>
+        </p:nvPicPr>
+        <p:blipFill>
+          <a:blip r:embed="rId2">
+            <a:extLst>
+              <a:ext uri="{28A0092B-C50C-407E-A947-70E740481C1C}">
+                <a14:useLocalDpi xmlns:a14="http://schemas.microsoft.com/office/drawing/2010/main" val="0"/>
+              </a:ext>
+            </a:extLst>
+          </a:blip>
+          <a:srcRect/>
+          <a:stretch>
+            <a:fillRect/>
+          </a:stretch>
+        </p:blipFill>
+        <p:spPr bwMode="auto">
+          <a:xfrm>
+            <a:off x="2355447" y="1306251"/>
+            <a:ext cx="5723681" cy="4920357"/>
+          </a:xfrm>
+          <a:prstGeom prst="rect">
+            <a:avLst/>
+          </a:prstGeom>
+          <a:noFill/>
+          <a:extLst>
+            <a:ext uri="{909E8E84-426E-40DD-AFC4-6F175D3DCCD1}">
+              <a14:hiddenFill xmlns:a14="http://schemas.microsoft.com/office/drawing/2010/main">
+                <a:solidFill>
+                  <a:srgbClr val="FFFFFF"/>
+                </a:solidFill>
+              </a14:hiddenFill>
+            </a:ext>
+          </a:extLst>
+        </p:spPr>
+      </p:pic>
     </p:spTree>
     <p:extLst>
       <p:ext uri="{BB962C8B-B14F-4D97-AF65-F5344CB8AC3E}">
-        <p14:creationId xmlns:p14="http://schemas.microsoft.com/office/powerpoint/2010/main" val="1306500541"/>
+        <p14:creationId xmlns:p14="http://schemas.microsoft.com/office/powerpoint/2010/main" val="1007175344"/>
       </p:ext>
     </p:extLst>
   </p:cSld>
@@ -11808,6 +12007,124 @@
       </p:grpSpPr>
       <p:sp>
         <p:nvSpPr>
+          <p:cNvPr id="5" name="Title 4"/>
+          <p:cNvSpPr>
+            <a:spLocks noGrp="1"/>
+          </p:cNvSpPr>
+          <p:nvPr>
+            <p:ph type="title"/>
+          </p:nvPr>
+        </p:nvSpPr>
+        <p:spPr/>
+        <p:txBody>
+          <a:bodyPr/>
+          <a:lstStyle/>
+          <a:p>
+            <a:r>
+              <a:rPr lang="en-US" dirty="0" smtClean="0"/>
+              <a:t>Why to use one with ASP.NET</a:t>
+            </a:r>
+            <a:endParaRPr lang="en-US" dirty="0"/>
+          </a:p>
+        </p:txBody>
+      </p:sp>
+      <p:sp>
+        <p:nvSpPr>
+          <p:cNvPr id="6" name="Text Placeholder 5"/>
+          <p:cNvSpPr>
+            <a:spLocks noGrp="1"/>
+          </p:cNvSpPr>
+          <p:nvPr>
+            <p:ph type="body" idx="1"/>
+          </p:nvPr>
+        </p:nvSpPr>
+        <p:spPr/>
+        <p:txBody>
+          <a:bodyPr/>
+          <a:lstStyle/>
+          <a:p>
+            <a:r>
+              <a:rPr lang="en-US" dirty="0" smtClean="0"/>
+              <a:t>3 Compelling Reasons</a:t>
+            </a:r>
+            <a:endParaRPr lang="en-US" dirty="0"/>
+          </a:p>
+        </p:txBody>
+      </p:sp>
+      <p:sp>
+        <p:nvSpPr>
+          <p:cNvPr id="4" name="Slide Number Placeholder 3"/>
+          <p:cNvSpPr>
+            <a:spLocks noGrp="1"/>
+          </p:cNvSpPr>
+          <p:nvPr>
+            <p:ph type="sldNum" sz="quarter" idx="12"/>
+          </p:nvPr>
+        </p:nvSpPr>
+        <p:spPr/>
+        <p:txBody>
+          <a:bodyPr/>
+          <a:lstStyle/>
+          <a:p>
+            <a:fld id="{CA6404EB-EC22-4A9F-B979-51DB938C35B6}" type="slidenum">
+              <a:rPr lang="en-US" smtClean="0"/>
+              <a:t>6</a:t>
+            </a:fld>
+            <a:endParaRPr lang="en-US" dirty="0"/>
+          </a:p>
+        </p:txBody>
+      </p:sp>
+    </p:spTree>
+    <p:extLst>
+      <p:ext uri="{BB962C8B-B14F-4D97-AF65-F5344CB8AC3E}">
+        <p14:creationId xmlns:p14="http://schemas.microsoft.com/office/powerpoint/2010/main" val="1306500541"/>
+      </p:ext>
+    </p:extLst>
+  </p:cSld>
+  <p:clrMapOvr>
+    <a:masterClrMapping/>
+  </p:clrMapOvr>
+  <mc:AlternateContent xmlns:mc="http://schemas.openxmlformats.org/markup-compatibility/2006" xmlns:p14="http://schemas.microsoft.com/office/powerpoint/2010/main">
+    <mc:Choice Requires="p14">
+      <p:transition p14:dur="250">
+        <p:fade/>
+      </p:transition>
+    </mc:Choice>
+    <mc:Fallback xmlns="">
+      <p:transition>
+        <p:fade/>
+      </p:transition>
+    </mc:Fallback>
+  </mc:AlternateContent>
+  <p:timing>
+    <p:tnLst>
+      <p:par>
+        <p:cTn id="1" dur="indefinite" restart="never" nodeType="tmRoot"/>
+      </p:par>
+    </p:tnLst>
+  </p:timing>
+</p:sld>
+</file>
+
+<file path=ppt/slides/slide7.xml><?xml version="1.0" encoding="utf-8"?>
+<p:sld xmlns:a="http://schemas.openxmlformats.org/drawingml/2006/main" xmlns:r="http://schemas.openxmlformats.org/officeDocument/2006/relationships" xmlns:p="http://schemas.openxmlformats.org/presentationml/2006/main">
+  <p:cSld>
+    <p:spTree>
+      <p:nvGrpSpPr>
+        <p:cNvPr id="1" name=""/>
+        <p:cNvGrpSpPr/>
+        <p:nvPr/>
+      </p:nvGrpSpPr>
+      <p:grpSpPr>
+        <a:xfrm>
+          <a:off x="0" y="0"/>
+          <a:ext cx="0" cy="0"/>
+          <a:chOff x="0" y="0"/>
+          <a:chExt cx="0" cy="0"/>
+        </a:xfrm>
+      </p:grpSpPr>
+      <p:sp>
+        <p:nvSpPr>
           <p:cNvPr id="2" name="Title 1"/>
           <p:cNvSpPr>
             <a:spLocks noGrp="1"/>
@@ -11944,7 +12261,7 @@
           <a:p>
             <a:fld id="{CA6404EB-EC22-4A9F-B979-51DB938C35B6}" type="slidenum">
               <a:rPr lang="en-US" smtClean="0"/>
-              <a:t>6</a:t>
+              <a:t>7</a:t>
             </a:fld>
             <a:endParaRPr lang="en-US" dirty="0"/>
           </a:p>
@@ -12036,7 +12353,7 @@
 </p:sld>
 </file>
 
-<file path=ppt/slides/slide7.xml><?xml version="1.0" encoding="utf-8"?>
+<file path=ppt/slides/slide8.xml><?xml version="1.0" encoding="utf-8"?>
 <p:sld xmlns:a="http://schemas.openxmlformats.org/drawingml/2006/main" xmlns:r="http://schemas.openxmlformats.org/officeDocument/2006/relationships" xmlns:p="http://schemas.openxmlformats.org/presentationml/2006/main">
   <p:cSld>
     <p:spTree>
@@ -12176,7 +12493,7 @@
           <a:p>
             <a:fld id="{CA6404EB-EC22-4A9F-B979-51DB938C35B6}" type="slidenum">
               <a:rPr lang="en-US" smtClean="0"/>
-              <a:t>7</a:t>
+              <a:t>8</a:t>
             </a:fld>
             <a:endParaRPr lang="en-US" dirty="0"/>
           </a:p>
@@ -12268,7 +12585,7 @@
 </p:sld>
 </file>
 
-<file path=ppt/slides/slide8.xml><?xml version="1.0" encoding="utf-8"?>
+<file path=ppt/slides/slide9.xml><?xml version="1.0" encoding="utf-8"?>
 <p:sld xmlns:a="http://schemas.openxmlformats.org/drawingml/2006/main" xmlns:r="http://schemas.openxmlformats.org/officeDocument/2006/relationships" xmlns:p="http://schemas.openxmlformats.org/presentationml/2006/main">
   <p:cSld>
     <p:spTree>
@@ -12380,7 +12697,7 @@
           <a:p>
             <a:fld id="{CA6404EB-EC22-4A9F-B979-51DB938C35B6}" type="slidenum">
               <a:rPr lang="en-US" smtClean="0"/>
-              <a:t>8</a:t>
+              <a:t>9</a:t>
             </a:fld>
             <a:endParaRPr lang="en-US" dirty="0"/>
           </a:p>
@@ -12450,161 +12767,6 @@
     <p:extLst>
       <p:ext uri="{BB962C8B-B14F-4D97-AF65-F5344CB8AC3E}">
         <p14:creationId xmlns:p14="http://schemas.microsoft.com/office/powerpoint/2010/main" val="969578935"/>
-      </p:ext>
-    </p:extLst>
-  </p:cSld>
-  <p:clrMapOvr>
-    <a:masterClrMapping/>
-  </p:clrMapOvr>
-  <mc:AlternateContent xmlns:mc="http://schemas.openxmlformats.org/markup-compatibility/2006" xmlns:p14="http://schemas.microsoft.com/office/powerpoint/2010/main">
-    <mc:Choice Requires="p14">
-      <p:transition p14:dur="250">
-        <p:fade/>
-      </p:transition>
-    </mc:Choice>
-    <mc:Fallback xmlns="">
-      <p:transition>
-        <p:fade/>
-      </p:transition>
-    </mc:Fallback>
-  </mc:AlternateContent>
-  <p:timing>
-    <p:tnLst>
-      <p:par>
-        <p:cTn id="1" dur="indefinite" restart="never" nodeType="tmRoot"/>
-      </p:par>
-    </p:tnLst>
-  </p:timing>
-</p:sld>
-</file>
-
-<file path=ppt/slides/slide9.xml><?xml version="1.0" encoding="utf-8"?>
-<p:sld xmlns:a="http://schemas.openxmlformats.org/drawingml/2006/main" xmlns:r="http://schemas.openxmlformats.org/officeDocument/2006/relationships" xmlns:p="http://schemas.openxmlformats.org/presentationml/2006/main">
-  <p:cSld>
-    <p:spTree>
-      <p:nvGrpSpPr>
-        <p:cNvPr id="1" name=""/>
-        <p:cNvGrpSpPr/>
-        <p:nvPr/>
-      </p:nvGrpSpPr>
-      <p:grpSpPr>
-        <a:xfrm>
-          <a:off x="0" y="0"/>
-          <a:ext cx="0" cy="0"/>
-          <a:chOff x="0" y="0"/>
-          <a:chExt cx="0" cy="0"/>
-        </a:xfrm>
-      </p:grpSpPr>
-      <p:sp>
-        <p:nvSpPr>
-          <p:cNvPr id="2" name="Title 1"/>
-          <p:cNvSpPr>
-            <a:spLocks noGrp="1"/>
-          </p:cNvSpPr>
-          <p:nvPr>
-            <p:ph type="title"/>
-          </p:nvPr>
-        </p:nvSpPr>
-        <p:spPr/>
-        <p:txBody>
-          <a:bodyPr/>
-          <a:lstStyle/>
-          <a:p>
-            <a:r>
-              <a:rPr lang="en-US" dirty="0" smtClean="0"/>
-              <a:t>Which </a:t>
-            </a:r>
-            <a:r>
-              <a:rPr lang="en-US" dirty="0" smtClean="0"/>
-              <a:t>task runner should </a:t>
-            </a:r>
-            <a:r>
-              <a:rPr lang="en-US" dirty="0" smtClean="0"/>
-              <a:t>I use?</a:t>
-            </a:r>
-            <a:endParaRPr lang="en-US" dirty="0"/>
-          </a:p>
-        </p:txBody>
-      </p:sp>
-      <p:sp>
-        <p:nvSpPr>
-          <p:cNvPr id="3" name="Text Placeholder 2"/>
-          <p:cNvSpPr>
-            <a:spLocks noGrp="1"/>
-          </p:cNvSpPr>
-          <p:nvPr>
-            <p:ph type="body" idx="1"/>
-          </p:nvPr>
-        </p:nvSpPr>
-        <p:spPr/>
-        <p:txBody>
-          <a:bodyPr/>
-          <a:lstStyle/>
-          <a:p>
-            <a:r>
-              <a:rPr lang="en-US" dirty="0" smtClean="0"/>
-              <a:t>A task runner showdown</a:t>
-            </a:r>
-            <a:endParaRPr lang="en-US" dirty="0"/>
-          </a:p>
-        </p:txBody>
-      </p:sp>
-      <p:sp>
-        <p:nvSpPr>
-          <p:cNvPr id="8" name="Slide Number Placeholder 7"/>
-          <p:cNvSpPr>
-            <a:spLocks noGrp="1"/>
-          </p:cNvSpPr>
-          <p:nvPr>
-            <p:ph type="sldNum" sz="quarter" idx="12"/>
-          </p:nvPr>
-        </p:nvSpPr>
-        <p:spPr/>
-        <p:txBody>
-          <a:bodyPr/>
-          <a:lstStyle/>
-          <a:p>
-            <a:fld id="{CA6404EB-EC22-4A9F-B979-51DB938C35B6}" type="slidenum">
-              <a:rPr lang="en-US" smtClean="0"/>
-              <a:t>9</a:t>
-            </a:fld>
-            <a:endParaRPr lang="en-US" dirty="0"/>
-          </a:p>
-        </p:txBody>
-      </p:sp>
-      <p:pic>
-        <p:nvPicPr>
-          <p:cNvPr id="7" name="Content Placeholder 6"/>
-          <p:cNvPicPr>
-            <a:picLocks noGrp="1" noChangeAspect="1"/>
-          </p:cNvPicPr>
-          <p:nvPr>
-            <p:ph idx="4294967295"/>
-          </p:nvPr>
-        </p:nvPicPr>
-        <p:blipFill>
-          <a:blip r:embed="rId2" cstate="print">
-            <a:extLst>
-              <a:ext uri="{28A0092B-C50C-407E-A947-70E740481C1C}">
-                <a14:useLocalDpi xmlns:a14="http://schemas.microsoft.com/office/drawing/2010/main" val="0"/>
-              </a:ext>
-            </a:extLst>
-          </a:blip>
-          <a:stretch>
-            <a:fillRect/>
-          </a:stretch>
-        </p:blipFill>
-        <p:spPr>
-          <a:xfrm>
-            <a:off x="2670048" y="1343542"/>
-            <a:ext cx="4260450" cy="2644529"/>
-          </a:xfrm>
-        </p:spPr>
-      </p:pic>
-    </p:spTree>
-    <p:extLst>
-      <p:ext uri="{BB962C8B-B14F-4D97-AF65-F5344CB8AC3E}">
-        <p14:creationId xmlns:p14="http://schemas.microsoft.com/office/powerpoint/2010/main" val="1783334788"/>
       </p:ext>
     </p:extLst>
   </p:cSld>
